--- a/Presentation/신나라유소현_10주 발표자료_V1.pptx
+++ b/Presentation/신나라유소현_10주 발표자료_V1.pptx
@@ -243,7 +243,7 @@
             <a:fld id="{29A4CCEE-A5BC-4B50-8AEB-B0D523E630C0}" type="datetimeFigureOut">
               <a:rPr lang="ko-KR" altLang="en-US" smtClean="0"/>
               <a:pPr/>
-              <a:t>2016-05-03</a:t>
+              <a:t>2016-05-04</a:t>
             </a:fld>
             <a:endParaRPr lang="ko-KR" altLang="en-US" dirty="0"/>
           </a:p>
@@ -1656,7 +1656,7 @@
           <a:p>
             <a:fld id="{C371A25B-1A51-40C1-A870-A49E466EAC33}" type="datetimeFigureOut">
               <a:rPr lang="ko-KR" altLang="en-US" smtClean="0"/>
-              <a:t>2016-05-03</a:t>
+              <a:t>2016-05-04</a:t>
             </a:fld>
             <a:endParaRPr lang="ko-KR" altLang="en-US"/>
           </a:p>
@@ -1826,7 +1826,7 @@
           <a:p>
             <a:fld id="{C371A25B-1A51-40C1-A870-A49E466EAC33}" type="datetimeFigureOut">
               <a:rPr lang="ko-KR" altLang="en-US" smtClean="0"/>
-              <a:t>2016-05-03</a:t>
+              <a:t>2016-05-04</a:t>
             </a:fld>
             <a:endParaRPr lang="ko-KR" altLang="en-US"/>
           </a:p>
@@ -2006,7 +2006,7 @@
           <a:p>
             <a:fld id="{C371A25B-1A51-40C1-A870-A49E466EAC33}" type="datetimeFigureOut">
               <a:rPr lang="ko-KR" altLang="en-US" smtClean="0"/>
-              <a:t>2016-05-03</a:t>
+              <a:t>2016-05-04</a:t>
             </a:fld>
             <a:endParaRPr lang="ko-KR" altLang="en-US"/>
           </a:p>
@@ -2176,7 +2176,7 @@
           <a:p>
             <a:fld id="{C371A25B-1A51-40C1-A870-A49E466EAC33}" type="datetimeFigureOut">
               <a:rPr lang="ko-KR" altLang="en-US" smtClean="0"/>
-              <a:t>2016-05-03</a:t>
+              <a:t>2016-05-04</a:t>
             </a:fld>
             <a:endParaRPr lang="ko-KR" altLang="en-US"/>
           </a:p>
@@ -2422,7 +2422,7 @@
           <a:p>
             <a:fld id="{C371A25B-1A51-40C1-A870-A49E466EAC33}" type="datetimeFigureOut">
               <a:rPr lang="ko-KR" altLang="en-US" smtClean="0"/>
-              <a:t>2016-05-03</a:t>
+              <a:t>2016-05-04</a:t>
             </a:fld>
             <a:endParaRPr lang="ko-KR" altLang="en-US"/>
           </a:p>
@@ -2654,7 +2654,7 @@
           <a:p>
             <a:fld id="{C371A25B-1A51-40C1-A870-A49E466EAC33}" type="datetimeFigureOut">
               <a:rPr lang="ko-KR" altLang="en-US" smtClean="0"/>
-              <a:t>2016-05-03</a:t>
+              <a:t>2016-05-04</a:t>
             </a:fld>
             <a:endParaRPr lang="ko-KR" altLang="en-US"/>
           </a:p>
@@ -3021,7 +3021,7 @@
           <a:p>
             <a:fld id="{C371A25B-1A51-40C1-A870-A49E466EAC33}" type="datetimeFigureOut">
               <a:rPr lang="ko-KR" altLang="en-US" smtClean="0"/>
-              <a:t>2016-05-03</a:t>
+              <a:t>2016-05-04</a:t>
             </a:fld>
             <a:endParaRPr lang="ko-KR" altLang="en-US"/>
           </a:p>
@@ -3139,7 +3139,7 @@
           <a:p>
             <a:fld id="{C371A25B-1A51-40C1-A870-A49E466EAC33}" type="datetimeFigureOut">
               <a:rPr lang="ko-KR" altLang="en-US" smtClean="0"/>
-              <a:t>2016-05-03</a:t>
+              <a:t>2016-05-04</a:t>
             </a:fld>
             <a:endParaRPr lang="ko-KR" altLang="en-US"/>
           </a:p>
@@ -3234,7 +3234,7 @@
           <a:p>
             <a:fld id="{C371A25B-1A51-40C1-A870-A49E466EAC33}" type="datetimeFigureOut">
               <a:rPr lang="ko-KR" altLang="en-US" smtClean="0"/>
-              <a:t>2016-05-03</a:t>
+              <a:t>2016-05-04</a:t>
             </a:fld>
             <a:endParaRPr lang="ko-KR" altLang="en-US"/>
           </a:p>
@@ -3511,7 +3511,7 @@
           <a:p>
             <a:fld id="{C371A25B-1A51-40C1-A870-A49E466EAC33}" type="datetimeFigureOut">
               <a:rPr lang="ko-KR" altLang="en-US" smtClean="0"/>
-              <a:t>2016-05-03</a:t>
+              <a:t>2016-05-04</a:t>
             </a:fld>
             <a:endParaRPr lang="ko-KR" altLang="en-US"/>
           </a:p>
@@ -3768,7 +3768,7 @@
           <a:p>
             <a:fld id="{C371A25B-1A51-40C1-A870-A49E466EAC33}" type="datetimeFigureOut">
               <a:rPr lang="ko-KR" altLang="en-US" smtClean="0"/>
-              <a:t>2016-05-03</a:t>
+              <a:t>2016-05-04</a:t>
             </a:fld>
             <a:endParaRPr lang="ko-KR" altLang="en-US"/>
           </a:p>
@@ -3983,7 +3983,7 @@
             <a:fld id="{C371A25B-1A51-40C1-A870-A49E466EAC33}" type="datetimeFigureOut">
               <a:rPr lang="ko-KR" altLang="en-US" smtClean="0"/>
               <a:pPr/>
-              <a:t>2016-05-03</a:t>
+              <a:t>2016-05-04</a:t>
             </a:fld>
             <a:endParaRPr lang="ko-KR" altLang="en-US" dirty="0"/>
           </a:p>
@@ -6273,7 +6273,7 @@
           <p:nvPr>
             <p:extLst>
               <p:ext uri="{D42A27DB-BD31-4B8C-83A1-F6EECF244321}">
-                <p14:modId xmlns:p14="http://schemas.microsoft.com/office/powerpoint/2010/main" val="1953745166"/>
+                <p14:modId xmlns:p14="http://schemas.microsoft.com/office/powerpoint/2010/main" val="80179599"/>
               </p:ext>
             </p:extLst>
           </p:nvPr>
@@ -6499,10 +6499,7 @@
                         <a:tabLst/>
                         <a:defRPr/>
                       </a:pPr>
-                      <a:r>
-                        <a:rPr lang="ko-KR" altLang="en-US" sz="1200" dirty="0"/>
-                        <a:t>진행 중</a:t>
-                      </a:r>
+                      <a:endParaRPr lang="ko-KR" altLang="en-US" sz="1200" dirty="0"/>
                     </a:p>
                   </a:txBody>
                   <a:tcPr anchor="ctr"/>
@@ -6750,10 +6747,7 @@
                         <a:tabLst/>
                         <a:defRPr/>
                       </a:pPr>
-                      <a:r>
-                        <a:rPr lang="ko-KR" altLang="en-US" sz="1200" dirty="0"/>
-                        <a:t>진행 중</a:t>
-                      </a:r>
+                      <a:endParaRPr lang="ko-KR" altLang="en-US" sz="1200" dirty="0"/>
                     </a:p>
                   </a:txBody>
                   <a:tcPr anchor="ctr"/>
@@ -7157,7 +7151,7 @@
           <p:nvPr>
             <p:extLst>
               <p:ext uri="{D42A27DB-BD31-4B8C-83A1-F6EECF244321}">
-                <p14:modId xmlns:p14="http://schemas.microsoft.com/office/powerpoint/2010/main" val="222598783"/>
+                <p14:modId xmlns:p14="http://schemas.microsoft.com/office/powerpoint/2010/main" val="2698033094"/>
               </p:ext>
             </p:extLst>
           </p:nvPr>
@@ -7933,14 +7927,14 @@
                       <a:pPr algn="ctr" latinLnBrk="1"/>
                       <a:r>
                         <a:rPr lang="ko-KR" altLang="en-US" dirty="0"/>
-                        <a:t>소현</a:t>
+                        <a:t>나라</a:t>
                       </a:r>
                       <a:endParaRPr lang="en-US" altLang="ko-KR" dirty="0"/>
                     </a:p>
                   </a:txBody>
                   <a:tcPr anchor="ctr">
                     <a:solidFill>
-                      <a:schemeClr val="accent6">
+                      <a:schemeClr val="accent1">
                         <a:lumMod val="20000"/>
                         <a:lumOff val="80000"/>
                       </a:schemeClr>
